--- a/4. Hands-on Modules/Data Sources/1. Data Sources Module.pptx
+++ b/4. Hands-on Modules/Data Sources/1. Data Sources Module.pptx
@@ -763,7 +763,7 @@
           <a:p>
             <a:fld id="{35A2D088-BDBD-41A5-ADCE-5C6A4DC08057}" type="datetime8">
               <a:rPr lang="en-US" smtClean="0"/>
-              <a:t>3/4/2019 12:04 PM</a:t>
+              <a:t>3/4/2019 12:40 PM</a:t>
             </a:fld>
             <a:endParaRPr lang="en-US" dirty="0"/>
           </a:p>
@@ -1028,7 +1028,7 @@
           <a:p>
             <a:fld id="{35A2D088-BDBD-41A5-ADCE-5C6A4DC08057}" type="datetime8">
               <a:rPr lang="en-US" smtClean="0"/>
-              <a:t>3/4/2019 12:04 PM</a:t>
+              <a:t>3/4/2019 12:40 PM</a:t>
             </a:fld>
             <a:endParaRPr lang="en-US" dirty="0"/>
           </a:p>
@@ -1178,7 +1178,7 @@
                   <a:prstClr val="black"/>
                 </a:solidFill>
               </a:rPr>
-              <a:t>3/4/2019 12:04 PM</a:t>
+              <a:t>3/4/2019 12:40 PM</a:t>
             </a:fld>
             <a:endParaRPr lang="en-US" dirty="0">
               <a:solidFill>
@@ -14550,16 +14550,13 @@
           <a:lstStyle/>
           <a:p>
             <a:r>
-              <a:rPr lang="en-US" b="1" dirty="0">
-                <a:latin typeface="+mn-lt"/>
-              </a:rPr>
+              <a:rPr lang="en-US" sz="4400" b="1" dirty="0"/>
               <a:t>Connect to Data</a:t>
             </a:r>
             <a:endParaRPr lang="en-US" sz="4400" kern="1200" dirty="0">
               <a:solidFill>
                 <a:schemeClr val="tx1"/>
               </a:solidFill>
-              <a:latin typeface="+mn-lt"/>
               <a:ea typeface="+mj-ea"/>
               <a:cs typeface="+mj-cs"/>
             </a:endParaRPr>
@@ -14596,14 +14593,14 @@
           <a:p>
             <a:pPr marL="285750"/>
             <a:r>
-              <a:rPr lang="en-US" sz="1800" spc="200" dirty="0"/>
+              <a:rPr lang="en-US" sz="2000" spc="200" dirty="0"/>
               <a:t>To connect to data, select Get Data from the Home ribbon.</a:t>
             </a:r>
           </a:p>
           <a:p>
             <a:pPr marL="285750"/>
             <a:r>
-              <a:rPr lang="en-US" sz="1800" spc="200" dirty="0"/>
+              <a:rPr lang="en-US" sz="2000" spc="200" dirty="0"/>
               <a:t>Selecting the down arrow, or the Get Data text on the button, shows the Most Common data types menu shown in the following image:</a:t>
             </a:r>
           </a:p>
@@ -15780,12 +15777,12 @@
 </file>
 
 <file path=customXml/item1.xml><?xml version="1.0" encoding="utf-8"?>
-<?mso-contentType ?>
-<FormTemplates xmlns="http://schemas.microsoft.com/sharepoint/v3/contenttype/forms">
-  <Display>DocumentLibraryForm</Display>
-  <Edit>DocumentLibraryForm</Edit>
-  <New>DocumentLibraryForm</New>
-</FormTemplates>
+<p:properties xmlns:p="http://schemas.microsoft.com/office/2006/metadata/properties" xmlns:xsi="http://www.w3.org/2001/XMLSchema-instance" xmlns:pc="http://schemas.microsoft.com/office/infopath/2007/PartnerControls">
+  <documentManagement>
+    <_ip_UnifiedCompliancePolicyUIAction xmlns="http://schemas.microsoft.com/sharepoint/v3" xsi:nil="true"/>
+    <_ip_UnifiedCompliancePolicyProperties xmlns="http://schemas.microsoft.com/sharepoint/v3" xsi:nil="true"/>
+  </documentManagement>
+</p:properties>
 </file>
 
 <file path=customXml/item2.xml><?xml version="1.0" encoding="utf-8"?>
@@ -15991,18 +15988,28 @@
 </file>
 
 <file path=customXml/item3.xml><?xml version="1.0" encoding="utf-8"?>
-<p:properties xmlns:p="http://schemas.microsoft.com/office/2006/metadata/properties" xmlns:xsi="http://www.w3.org/2001/XMLSchema-instance" xmlns:pc="http://schemas.microsoft.com/office/infopath/2007/PartnerControls">
-  <documentManagement>
-    <_ip_UnifiedCompliancePolicyUIAction xmlns="http://schemas.microsoft.com/sharepoint/v3" xsi:nil="true"/>
-    <_ip_UnifiedCompliancePolicyProperties xmlns="http://schemas.microsoft.com/sharepoint/v3" xsi:nil="true"/>
-  </documentManagement>
-</p:properties>
+<?mso-contentType ?>
+<FormTemplates xmlns="http://schemas.microsoft.com/sharepoint/v3/contenttype/forms">
+  <Display>DocumentLibraryForm</Display>
+  <Edit>DocumentLibraryForm</Edit>
+  <New>DocumentLibraryForm</New>
+</FormTemplates>
 </file>
 
 <file path=customXml/itemProps1.xml><?xml version="1.0" encoding="utf-8"?>
-<ds:datastoreItem xmlns:ds="http://schemas.openxmlformats.org/officeDocument/2006/customXml" ds:itemID="{F18501AF-04CF-4482-BAE1-607B49DDC378}">
+<ds:datastoreItem xmlns:ds="http://schemas.openxmlformats.org/officeDocument/2006/customXml" ds:itemID="{BAF7D529-36AB-45DA-B239-2F912F2D1610}">
   <ds:schemaRefs>
-    <ds:schemaRef ds:uri="http://schemas.microsoft.com/sharepoint/v3/contenttype/forms"/>
+    <ds:schemaRef ds:uri="http://schemas.microsoft.com/office/2006/metadata/properties"/>
+    <ds:schemaRef ds:uri="d9c797ad-d7c3-4982-82b7-81352a75e4a5"/>
+    <ds:schemaRef ds:uri="http://purl.org/dc/terms/"/>
+    <ds:schemaRef ds:uri="2023ac63-7b75-4916-a9ee-591457758eee"/>
+    <ds:schemaRef ds:uri="http://purl.org/dc/elements/1.1/"/>
+    <ds:schemaRef ds:uri="http://schemas.openxmlformats.org/package/2006/metadata/core-properties"/>
+    <ds:schemaRef ds:uri="http://purl.org/dc/dcmitype/"/>
+    <ds:schemaRef ds:uri="http://schemas.microsoft.com/office/2006/documentManagement/types"/>
+    <ds:schemaRef ds:uri="http://schemas.microsoft.com/office/infopath/2007/PartnerControls"/>
+    <ds:schemaRef ds:uri="http://schemas.microsoft.com/sharepoint/v3"/>
+    <ds:schemaRef ds:uri="http://www.w3.org/XML/1998/namespace"/>
   </ds:schemaRefs>
 </ds:datastoreItem>
 </file>
@@ -16028,19 +16035,9 @@
 </file>
 
 <file path=customXml/itemProps3.xml><?xml version="1.0" encoding="utf-8"?>
-<ds:datastoreItem xmlns:ds="http://schemas.openxmlformats.org/officeDocument/2006/customXml" ds:itemID="{BAF7D529-36AB-45DA-B239-2F912F2D1610}">
+<ds:datastoreItem xmlns:ds="http://schemas.openxmlformats.org/officeDocument/2006/customXml" ds:itemID="{F18501AF-04CF-4482-BAE1-607B49DDC378}">
   <ds:schemaRefs>
-    <ds:schemaRef ds:uri="http://schemas.microsoft.com/office/2006/metadata/properties"/>
-    <ds:schemaRef ds:uri="d9c797ad-d7c3-4982-82b7-81352a75e4a5"/>
-    <ds:schemaRef ds:uri="http://purl.org/dc/terms/"/>
-    <ds:schemaRef ds:uri="2023ac63-7b75-4916-a9ee-591457758eee"/>
-    <ds:schemaRef ds:uri="http://purl.org/dc/elements/1.1/"/>
-    <ds:schemaRef ds:uri="http://schemas.openxmlformats.org/package/2006/metadata/core-properties"/>
-    <ds:schemaRef ds:uri="http://purl.org/dc/dcmitype/"/>
-    <ds:schemaRef ds:uri="http://schemas.microsoft.com/office/2006/documentManagement/types"/>
-    <ds:schemaRef ds:uri="http://schemas.microsoft.com/office/infopath/2007/PartnerControls"/>
-    <ds:schemaRef ds:uri="http://schemas.microsoft.com/sharepoint/v3"/>
-    <ds:schemaRef ds:uri="http://www.w3.org/XML/1998/namespace"/>
+    <ds:schemaRef ds:uri="http://schemas.microsoft.com/sharepoint/v3/contenttype/forms"/>
   </ds:schemaRefs>
 </ds:datastoreItem>
 </file>